--- a/Powerpoint/WorkShop Electron-React.pptx
+++ b/Powerpoint/WorkShop Electron-React.pptx
@@ -916,8 +916,34 @@
       </dgm:t>
     </dgm:pt>
     <dgm:pt modelId="{095A5E99-E976-4550-8F80-53CC813F2F5A}">
-      <dgm:prSet phldrT="[Text]" custT="1"/>
-      <dgm:spPr/>
+      <dgm:prSet phldrT="[Text]" custT="1">
+        <dgm:style>
+          <a:lnRef idx="0">
+            <a:scrgbClr r="0" g="0" b="0"/>
+          </a:lnRef>
+          <a:fillRef idx="0">
+            <a:scrgbClr r="0" g="0" b="0"/>
+          </a:fillRef>
+          <a:effectRef idx="0">
+            <a:scrgbClr r="0" g="0" b="0"/>
+          </a:effectRef>
+          <a:fontRef idx="minor">
+            <a:schemeClr val="accent1"/>
+          </a:fontRef>
+        </dgm:style>
+      </dgm:prSet>
+      <dgm:spPr>
+        <a:noFill/>
+        <a:ln w="9525" cap="flat" cmpd="sng" algn="ctr">
+          <a:solidFill>
+            <a:schemeClr val="accent1"/>
+          </a:solidFill>
+          <a:prstDash val="solid"/>
+          <a:round/>
+          <a:headEnd type="none" w="med" len="med"/>
+          <a:tailEnd type="none" w="med" len="med"/>
+        </a:ln>
+      </dgm:spPr>
       <dgm:t>
         <a:bodyPr rtlCol="0"/>
         <a:lstStyle/>
@@ -948,7 +974,22 @@
       </dgm:t>
     </dgm:pt>
     <dgm:pt modelId="{8877691F-1B60-4485-9174-DDEC7EE68B70}" type="sibTrans" cxnId="{D1A4D8E6-F04E-4AB1-8D0C-63DC7AB1E81F}">
-      <dgm:prSet/>
+      <dgm:prSet>
+        <dgm:style>
+          <a:lnRef idx="0">
+            <a:schemeClr val="accent1"/>
+          </a:lnRef>
+          <a:fillRef idx="3">
+            <a:schemeClr val="accent1"/>
+          </a:fillRef>
+          <a:effectRef idx="3">
+            <a:schemeClr val="accent1"/>
+          </a:effectRef>
+          <a:fontRef idx="minor">
+            <a:schemeClr val="lt1"/>
+          </a:fontRef>
+        </dgm:style>
+      </dgm:prSet>
       <dgm:spPr/>
       <dgm:t>
         <a:bodyPr rtlCol="0"/>
@@ -960,8 +1001,34 @@
       </dgm:t>
     </dgm:pt>
     <dgm:pt modelId="{8EC937D8-BD76-4A12-A3E5-900D5C1E2E05}">
-      <dgm:prSet phldrT="[Text]" custT="1"/>
-      <dgm:spPr/>
+      <dgm:prSet phldrT="[Text]" custT="1">
+        <dgm:style>
+          <a:lnRef idx="0">
+            <a:scrgbClr r="0" g="0" b="0"/>
+          </a:lnRef>
+          <a:fillRef idx="0">
+            <a:scrgbClr r="0" g="0" b="0"/>
+          </a:fillRef>
+          <a:effectRef idx="0">
+            <a:scrgbClr r="0" g="0" b="0"/>
+          </a:effectRef>
+          <a:fontRef idx="minor">
+            <a:schemeClr val="accent1"/>
+          </a:fontRef>
+        </dgm:style>
+      </dgm:prSet>
+      <dgm:spPr>
+        <a:noFill/>
+        <a:ln w="9525" cap="flat" cmpd="sng" algn="ctr">
+          <a:solidFill>
+            <a:schemeClr val="accent1"/>
+          </a:solidFill>
+          <a:prstDash val="solid"/>
+          <a:round/>
+          <a:headEnd type="none" w="med" len="med"/>
+          <a:tailEnd type="none" w="med" len="med"/>
+        </a:ln>
+      </dgm:spPr>
       <dgm:t>
         <a:bodyPr rtlCol="0"/>
         <a:lstStyle/>
@@ -991,7 +1058,22 @@
       </dgm:t>
     </dgm:pt>
     <dgm:pt modelId="{B3EFD4A5-9FA1-4ABE-B722-05162509509B}" type="sibTrans" cxnId="{43DC8383-AEE5-490C-A8E5-1F216F2B8FE6}">
-      <dgm:prSet/>
+      <dgm:prSet>
+        <dgm:style>
+          <a:lnRef idx="0">
+            <a:schemeClr val="accent1"/>
+          </a:lnRef>
+          <a:fillRef idx="3">
+            <a:schemeClr val="accent1"/>
+          </a:fillRef>
+          <a:effectRef idx="3">
+            <a:schemeClr val="accent1"/>
+          </a:effectRef>
+          <a:fontRef idx="minor">
+            <a:schemeClr val="lt1"/>
+          </a:fontRef>
+        </dgm:style>
+      </dgm:prSet>
       <dgm:spPr/>
       <dgm:t>
         <a:bodyPr rtlCol="0"/>
@@ -1003,8 +1085,34 @@
       </dgm:t>
     </dgm:pt>
     <dgm:pt modelId="{7133ECF5-4190-4604-AA2F-03C9A0A9210F}">
-      <dgm:prSet phldrT="[Text]" custT="1"/>
-      <dgm:spPr/>
+      <dgm:prSet phldrT="[Text]" custT="1">
+        <dgm:style>
+          <a:lnRef idx="0">
+            <a:scrgbClr r="0" g="0" b="0"/>
+          </a:lnRef>
+          <a:fillRef idx="0">
+            <a:scrgbClr r="0" g="0" b="0"/>
+          </a:fillRef>
+          <a:effectRef idx="0">
+            <a:scrgbClr r="0" g="0" b="0"/>
+          </a:effectRef>
+          <a:fontRef idx="minor">
+            <a:schemeClr val="accent1"/>
+          </a:fontRef>
+        </dgm:style>
+      </dgm:prSet>
+      <dgm:spPr>
+        <a:noFill/>
+        <a:ln w="9525" cap="flat" cmpd="sng" algn="ctr">
+          <a:solidFill>
+            <a:schemeClr val="accent1"/>
+          </a:solidFill>
+          <a:prstDash val="solid"/>
+          <a:round/>
+          <a:headEnd type="none" w="med" len="med"/>
+          <a:tailEnd type="none" w="med" len="med"/>
+        </a:ln>
+      </dgm:spPr>
       <dgm:t>
         <a:bodyPr rtlCol="0"/>
         <a:lstStyle/>
@@ -1047,8 +1155,34 @@
       </dgm:t>
     </dgm:pt>
     <dgm:pt modelId="{9472EA70-B40F-40F3-B176-C38C29B5FCA2}">
-      <dgm:prSet phldrT="[Text]" custT="1"/>
-      <dgm:spPr/>
+      <dgm:prSet phldrT="[Text]" custT="1">
+        <dgm:style>
+          <a:lnRef idx="0">
+            <a:scrgbClr r="0" g="0" b="0"/>
+          </a:lnRef>
+          <a:fillRef idx="0">
+            <a:scrgbClr r="0" g="0" b="0"/>
+          </a:fillRef>
+          <a:effectRef idx="0">
+            <a:scrgbClr r="0" g="0" b="0"/>
+          </a:effectRef>
+          <a:fontRef idx="minor">
+            <a:schemeClr val="accent1"/>
+          </a:fontRef>
+        </dgm:style>
+      </dgm:prSet>
+      <dgm:spPr>
+        <a:noFill/>
+        <a:ln w="9525" cap="flat" cmpd="sng" algn="ctr">
+          <a:solidFill>
+            <a:schemeClr val="accent1"/>
+          </a:solidFill>
+          <a:prstDash val="solid"/>
+          <a:round/>
+          <a:headEnd type="none" w="med" len="med"/>
+          <a:tailEnd type="none" w="med" len="med"/>
+        </a:ln>
+      </dgm:spPr>
       <dgm:t>
         <a:bodyPr rtlCol="0"/>
         <a:lstStyle/>
@@ -1078,7 +1212,22 @@
       </dgm:t>
     </dgm:pt>
     <dgm:pt modelId="{56EF4F50-2C0E-41EB-8CC9-24F0C68341EA}" type="sibTrans" cxnId="{A847BD9C-AA19-48C9-9C74-F2464A5F6044}">
-      <dgm:prSet/>
+      <dgm:prSet>
+        <dgm:style>
+          <a:lnRef idx="0">
+            <a:schemeClr val="accent1"/>
+          </a:lnRef>
+          <a:fillRef idx="3">
+            <a:schemeClr val="accent1"/>
+          </a:fillRef>
+          <a:effectRef idx="3">
+            <a:schemeClr val="accent1"/>
+          </a:effectRef>
+          <a:fontRef idx="minor">
+            <a:schemeClr val="lt1"/>
+          </a:fontRef>
+        </dgm:style>
+      </dgm:prSet>
       <dgm:spPr/>
       <dgm:t>
         <a:bodyPr/>
@@ -1229,6 +1378,9 @@
     <a:ext uri="http://schemas.microsoft.com/office/drawing/2008/diagram">
       <dsp:dataModelExt xmlns:dsp="http://schemas.microsoft.com/office/drawing/2008/diagram" relId="rId7" minVer="http://schemas.openxmlformats.org/drawingml/2006/diagram"/>
     </a:ext>
+    <a:ext uri="{C62137D5-CB1D-491B-B009-E17868A290BF}">
+      <dgm14:recolorImg xmlns:dgm14="http://schemas.microsoft.com/office/drawing/2010/diagram" val="1"/>
+    </a:ext>
   </dgm:extLst>
 </dgm:dataModel>
 </file>
@@ -1256,76 +1408,30 @@
             <a:gd name="adj" fmla="val 10000"/>
           </a:avLst>
         </a:prstGeom>
-        <a:gradFill rotWithShape="0">
-          <a:gsLst>
-            <a:gs pos="0">
-              <a:schemeClr val="dk2">
-                <a:hueOff val="0"/>
-                <a:satOff val="0"/>
-                <a:lumOff val="0"/>
-                <a:alphaOff val="0"/>
-                <a:shade val="15000"/>
-                <a:satMod val="180000"/>
-              </a:schemeClr>
-            </a:gs>
-            <a:gs pos="50000">
-              <a:schemeClr val="dk2">
-                <a:hueOff val="0"/>
-                <a:satOff val="0"/>
-                <a:lumOff val="0"/>
-                <a:alphaOff val="0"/>
-                <a:shade val="45000"/>
-                <a:satMod val="170000"/>
-              </a:schemeClr>
-            </a:gs>
-            <a:gs pos="70000">
-              <a:schemeClr val="dk2">
-                <a:hueOff val="0"/>
-                <a:satOff val="0"/>
-                <a:lumOff val="0"/>
-                <a:alphaOff val="0"/>
-                <a:tint val="99000"/>
-                <a:shade val="65000"/>
-                <a:satMod val="155000"/>
-              </a:schemeClr>
-            </a:gs>
-            <a:gs pos="100000">
-              <a:schemeClr val="dk2">
-                <a:hueOff val="0"/>
-                <a:satOff val="0"/>
-                <a:lumOff val="0"/>
-                <a:alphaOff val="0"/>
-                <a:tint val="100000"/>
-                <a:shade val="100000"/>
-                <a:satMod val="155000"/>
-              </a:schemeClr>
-            </a:gs>
-          </a:gsLst>
-          <a:lin ang="16200000" scaled="0"/>
-        </a:gradFill>
-        <a:ln>
-          <a:noFill/>
+        <a:noFill/>
+        <a:ln w="9525" cap="flat" cmpd="sng" algn="ctr">
+          <a:solidFill>
+            <a:schemeClr val="accent1"/>
+          </a:solidFill>
+          <a:prstDash val="solid"/>
+          <a:round/>
+          <a:headEnd type="none" w="med" len="med"/>
+          <a:tailEnd type="none" w="med" len="med"/>
         </a:ln>
-        <a:effectLst>
-          <a:outerShdw blurRad="38100" dist="25400" dir="2700000" algn="br" rotWithShape="0">
-            <a:srgbClr val="000000">
-              <a:alpha val="60000"/>
-            </a:srgbClr>
-          </a:outerShdw>
-        </a:effectLst>
+        <a:effectLst/>
       </dsp:spPr>
       <dsp:style>
         <a:lnRef idx="0">
           <a:scrgbClr r="0" g="0" b="0"/>
         </a:lnRef>
-        <a:fillRef idx="3">
+        <a:fillRef idx="0">
           <a:scrgbClr r="0" g="0" b="0"/>
         </a:fillRef>
-        <a:effectRef idx="2">
+        <a:effectRef idx="0">
           <a:scrgbClr r="0" g="0" b="0"/>
         </a:effectRef>
         <a:fontRef idx="minor">
-          <a:schemeClr val="lt1"/>
+          <a:schemeClr val="accent1"/>
         </a:fontRef>
       </dsp:style>
       <dsp:txBody>
@@ -1372,76 +1478,30 @@
             <a:gd name="adj" fmla="val 10000"/>
           </a:avLst>
         </a:prstGeom>
-        <a:gradFill rotWithShape="0">
-          <a:gsLst>
-            <a:gs pos="0">
-              <a:schemeClr val="dk2">
-                <a:hueOff val="0"/>
-                <a:satOff val="0"/>
-                <a:lumOff val="0"/>
-                <a:alphaOff val="0"/>
-                <a:shade val="15000"/>
-                <a:satMod val="180000"/>
-              </a:schemeClr>
-            </a:gs>
-            <a:gs pos="50000">
-              <a:schemeClr val="dk2">
-                <a:hueOff val="0"/>
-                <a:satOff val="0"/>
-                <a:lumOff val="0"/>
-                <a:alphaOff val="0"/>
-                <a:shade val="45000"/>
-                <a:satMod val="170000"/>
-              </a:schemeClr>
-            </a:gs>
-            <a:gs pos="70000">
-              <a:schemeClr val="dk2">
-                <a:hueOff val="0"/>
-                <a:satOff val="0"/>
-                <a:lumOff val="0"/>
-                <a:alphaOff val="0"/>
-                <a:tint val="99000"/>
-                <a:shade val="65000"/>
-                <a:satMod val="155000"/>
-              </a:schemeClr>
-            </a:gs>
-            <a:gs pos="100000">
-              <a:schemeClr val="dk2">
-                <a:hueOff val="0"/>
-                <a:satOff val="0"/>
-                <a:lumOff val="0"/>
-                <a:alphaOff val="0"/>
-                <a:tint val="100000"/>
-                <a:shade val="100000"/>
-                <a:satMod val="155000"/>
-              </a:schemeClr>
-            </a:gs>
-          </a:gsLst>
-          <a:lin ang="16200000" scaled="0"/>
-        </a:gradFill>
-        <a:ln>
-          <a:noFill/>
+        <a:noFill/>
+        <a:ln w="9525" cap="flat" cmpd="sng" algn="ctr">
+          <a:solidFill>
+            <a:schemeClr val="accent1"/>
+          </a:solidFill>
+          <a:prstDash val="solid"/>
+          <a:round/>
+          <a:headEnd type="none" w="med" len="med"/>
+          <a:tailEnd type="none" w="med" len="med"/>
         </a:ln>
-        <a:effectLst>
-          <a:outerShdw blurRad="38100" dist="25400" dir="2700000" algn="br" rotWithShape="0">
-            <a:srgbClr val="000000">
-              <a:alpha val="60000"/>
-            </a:srgbClr>
-          </a:outerShdw>
-        </a:effectLst>
+        <a:effectLst/>
       </dsp:spPr>
       <dsp:style>
         <a:lnRef idx="0">
           <a:scrgbClr r="0" g="0" b="0"/>
         </a:lnRef>
-        <a:fillRef idx="3">
+        <a:fillRef idx="0">
           <a:scrgbClr r="0" g="0" b="0"/>
         </a:fillRef>
-        <a:effectRef idx="2">
+        <a:effectRef idx="0">
           <a:scrgbClr r="0" g="0" b="0"/>
         </a:effectRef>
         <a:fontRef idx="minor">
-          <a:schemeClr val="lt1"/>
+          <a:schemeClr val="accent1"/>
         </a:fontRef>
       </dsp:style>
       <dsp:txBody>
@@ -1488,76 +1548,30 @@
             <a:gd name="adj" fmla="val 10000"/>
           </a:avLst>
         </a:prstGeom>
-        <a:gradFill rotWithShape="0">
-          <a:gsLst>
-            <a:gs pos="0">
-              <a:schemeClr val="dk2">
-                <a:hueOff val="0"/>
-                <a:satOff val="0"/>
-                <a:lumOff val="0"/>
-                <a:alphaOff val="0"/>
-                <a:shade val="15000"/>
-                <a:satMod val="180000"/>
-              </a:schemeClr>
-            </a:gs>
-            <a:gs pos="50000">
-              <a:schemeClr val="dk2">
-                <a:hueOff val="0"/>
-                <a:satOff val="0"/>
-                <a:lumOff val="0"/>
-                <a:alphaOff val="0"/>
-                <a:shade val="45000"/>
-                <a:satMod val="170000"/>
-              </a:schemeClr>
-            </a:gs>
-            <a:gs pos="70000">
-              <a:schemeClr val="dk2">
-                <a:hueOff val="0"/>
-                <a:satOff val="0"/>
-                <a:lumOff val="0"/>
-                <a:alphaOff val="0"/>
-                <a:tint val="99000"/>
-                <a:shade val="65000"/>
-                <a:satMod val="155000"/>
-              </a:schemeClr>
-            </a:gs>
-            <a:gs pos="100000">
-              <a:schemeClr val="dk2">
-                <a:hueOff val="0"/>
-                <a:satOff val="0"/>
-                <a:lumOff val="0"/>
-                <a:alphaOff val="0"/>
-                <a:tint val="100000"/>
-                <a:shade val="100000"/>
-                <a:satMod val="155000"/>
-              </a:schemeClr>
-            </a:gs>
-          </a:gsLst>
-          <a:lin ang="16200000" scaled="0"/>
-        </a:gradFill>
-        <a:ln>
-          <a:noFill/>
+        <a:noFill/>
+        <a:ln w="9525" cap="flat" cmpd="sng" algn="ctr">
+          <a:solidFill>
+            <a:schemeClr val="accent1"/>
+          </a:solidFill>
+          <a:prstDash val="solid"/>
+          <a:round/>
+          <a:headEnd type="none" w="med" len="med"/>
+          <a:tailEnd type="none" w="med" len="med"/>
         </a:ln>
-        <a:effectLst>
-          <a:outerShdw blurRad="38100" dist="25400" dir="2700000" algn="br" rotWithShape="0">
-            <a:srgbClr val="000000">
-              <a:alpha val="60000"/>
-            </a:srgbClr>
-          </a:outerShdw>
-        </a:effectLst>
+        <a:effectLst/>
       </dsp:spPr>
       <dsp:style>
         <a:lnRef idx="0">
           <a:scrgbClr r="0" g="0" b="0"/>
         </a:lnRef>
-        <a:fillRef idx="3">
+        <a:fillRef idx="0">
           <a:scrgbClr r="0" g="0" b="0"/>
         </a:fillRef>
-        <a:effectRef idx="2">
+        <a:effectRef idx="0">
           <a:scrgbClr r="0" g="0" b="0"/>
         </a:effectRef>
         <a:fontRef idx="minor">
-          <a:schemeClr val="lt1"/>
+          <a:schemeClr val="accent1"/>
         </a:fontRef>
       </dsp:style>
       <dsp:txBody>
@@ -1608,76 +1622,30 @@
             <a:gd name="adj" fmla="val 10000"/>
           </a:avLst>
         </a:prstGeom>
-        <a:gradFill rotWithShape="0">
-          <a:gsLst>
-            <a:gs pos="0">
-              <a:schemeClr val="dk2">
-                <a:hueOff val="0"/>
-                <a:satOff val="0"/>
-                <a:lumOff val="0"/>
-                <a:alphaOff val="0"/>
-                <a:shade val="15000"/>
-                <a:satMod val="180000"/>
-              </a:schemeClr>
-            </a:gs>
-            <a:gs pos="50000">
-              <a:schemeClr val="dk2">
-                <a:hueOff val="0"/>
-                <a:satOff val="0"/>
-                <a:lumOff val="0"/>
-                <a:alphaOff val="0"/>
-                <a:shade val="45000"/>
-                <a:satMod val="170000"/>
-              </a:schemeClr>
-            </a:gs>
-            <a:gs pos="70000">
-              <a:schemeClr val="dk2">
-                <a:hueOff val="0"/>
-                <a:satOff val="0"/>
-                <a:lumOff val="0"/>
-                <a:alphaOff val="0"/>
-                <a:tint val="99000"/>
-                <a:shade val="65000"/>
-                <a:satMod val="155000"/>
-              </a:schemeClr>
-            </a:gs>
-            <a:gs pos="100000">
-              <a:schemeClr val="dk2">
-                <a:hueOff val="0"/>
-                <a:satOff val="0"/>
-                <a:lumOff val="0"/>
-                <a:alphaOff val="0"/>
-                <a:tint val="100000"/>
-                <a:shade val="100000"/>
-                <a:satMod val="155000"/>
-              </a:schemeClr>
-            </a:gs>
-          </a:gsLst>
-          <a:lin ang="16200000" scaled="0"/>
-        </a:gradFill>
-        <a:ln>
-          <a:noFill/>
+        <a:noFill/>
+        <a:ln w="9525" cap="flat" cmpd="sng" algn="ctr">
+          <a:solidFill>
+            <a:schemeClr val="accent1"/>
+          </a:solidFill>
+          <a:prstDash val="solid"/>
+          <a:round/>
+          <a:headEnd type="none" w="med" len="med"/>
+          <a:tailEnd type="none" w="med" len="med"/>
         </a:ln>
-        <a:effectLst>
-          <a:outerShdw blurRad="38100" dist="25400" dir="2700000" algn="br" rotWithShape="0">
-            <a:srgbClr val="000000">
-              <a:alpha val="60000"/>
-            </a:srgbClr>
-          </a:outerShdw>
-        </a:effectLst>
+        <a:effectLst/>
       </dsp:spPr>
       <dsp:style>
         <a:lnRef idx="0">
           <a:scrgbClr r="0" g="0" b="0"/>
         </a:lnRef>
-        <a:fillRef idx="3">
+        <a:fillRef idx="0">
           <a:scrgbClr r="0" g="0" b="0"/>
         </a:fillRef>
-        <a:effectRef idx="2">
+        <a:effectRef idx="0">
           <a:scrgbClr r="0" g="0" b="0"/>
         </a:effectRef>
         <a:fontRef idx="minor">
-          <a:schemeClr val="lt1"/>
+          <a:schemeClr val="accent1"/>
         </a:fontRef>
       </dsp:style>
       <dsp:txBody>
@@ -1725,42 +1693,77 @@
             <a:gd name="adj2" fmla="val 45000"/>
           </a:avLst>
         </a:prstGeom>
-        <a:solidFill>
-          <a:schemeClr val="dk2">
-            <a:alpha val="90000"/>
-            <a:tint val="40000"/>
-            <a:hueOff val="0"/>
-            <a:satOff val="0"/>
-            <a:lumOff val="0"/>
-            <a:alphaOff val="0"/>
-          </a:schemeClr>
-        </a:solidFill>
-        <a:ln w="9525" cap="flat" cmpd="sng" algn="ctr">
-          <a:solidFill>
-            <a:schemeClr val="dk2">
-              <a:alpha val="90000"/>
-              <a:tint val="40000"/>
-              <a:hueOff val="0"/>
-              <a:satOff val="0"/>
-              <a:lumOff val="0"/>
-              <a:alphaOff val="0"/>
+        <a:gradFill rotWithShape="1">
+          <a:gsLst>
+            <a:gs pos="0">
+              <a:schemeClr val="accent1">
+                <a:shade val="15000"/>
+                <a:satMod val="180000"/>
+              </a:schemeClr>
+            </a:gs>
+            <a:gs pos="50000">
+              <a:schemeClr val="accent1">
+                <a:shade val="45000"/>
+                <a:satMod val="170000"/>
+              </a:schemeClr>
+            </a:gs>
+            <a:gs pos="70000">
+              <a:schemeClr val="accent1">
+                <a:tint val="99000"/>
+                <a:shade val="65000"/>
+                <a:satMod val="155000"/>
+              </a:schemeClr>
+            </a:gs>
+            <a:gs pos="100000">
+              <a:schemeClr val="accent1">
+                <a:tint val="100000"/>
+                <a:shade val="100000"/>
+                <a:satMod val="155000"/>
+              </a:schemeClr>
+            </a:gs>
+          </a:gsLst>
+          <a:lin ang="16200000" scaled="0"/>
+        </a:gradFill>
+        <a:ln>
+          <a:noFill/>
+        </a:ln>
+        <a:effectLst>
+          <a:outerShdw blurRad="38100" dist="25400" dir="2700000" algn="br" rotWithShape="0">
+            <a:srgbClr val="000000">
+              <a:alpha val="60000"/>
+            </a:srgbClr>
+          </a:outerShdw>
+        </a:effectLst>
+        <a:scene3d>
+          <a:camera prst="orthographicFront">
+            <a:rot lat="0" lon="0" rev="0"/>
+          </a:camera>
+          <a:lightRig rig="balanced" dir="t">
+            <a:rot lat="0" lon="0" rev="5100000"/>
+          </a:lightRig>
+        </a:scene3d>
+        <a:sp3d contourW="6350">
+          <a:bevelT w="29210" h="12700"/>
+          <a:contourClr>
+            <a:schemeClr val="accent1">
+              <a:satMod val="300000"/>
             </a:schemeClr>
-          </a:solidFill>
-          <a:miter lim="800000"/>
-        </a:ln>
-        <a:effectLst/>
+          </a:contourClr>
+        </a:sp3d>
       </dsp:spPr>
       <dsp:style>
-        <a:lnRef idx="1">
-          <a:scrgbClr r="0" g="0" b="0"/>
+        <a:lnRef idx="0">
+          <a:schemeClr val="accent1"/>
         </a:lnRef>
-        <a:fillRef idx="1">
-          <a:scrgbClr r="0" g="0" b="0"/>
+        <a:fillRef idx="3">
+          <a:schemeClr val="accent1"/>
         </a:fillRef>
-        <a:effectRef idx="0">
-          <a:scrgbClr r="0" g="0" b="0"/>
+        <a:effectRef idx="3">
+          <a:schemeClr val="accent1"/>
         </a:effectRef>
-        <a:fontRef idx="minor"/>
+        <a:fontRef idx="minor">
+          <a:schemeClr val="lt1"/>
+        </a:fontRef>
       </dsp:style>
       <dsp:txBody>
         <a:bodyPr spcFirstLastPara="0" vert="horz" wrap="square" lIns="44450" tIns="44450" rIns="44450" bIns="44450" numCol="1" spcCol="1270" rtlCol="0" anchor="ctr" anchorCtr="0">
@@ -1804,45 +1807,80 @@
             <a:gd name="adj2" fmla="val 45000"/>
           </a:avLst>
         </a:prstGeom>
-        <a:solidFill>
-          <a:schemeClr val="dk2">
-            <a:alpha val="90000"/>
-            <a:tint val="40000"/>
-            <a:hueOff val="0"/>
-            <a:satOff val="0"/>
-            <a:lumOff val="0"/>
-            <a:alphaOff val="0"/>
-          </a:schemeClr>
-        </a:solidFill>
-        <a:ln w="9525" cap="flat" cmpd="sng" algn="ctr">
-          <a:solidFill>
-            <a:schemeClr val="dk2">
-              <a:alpha val="90000"/>
-              <a:tint val="40000"/>
-              <a:hueOff val="0"/>
-              <a:satOff val="0"/>
-              <a:lumOff val="0"/>
-              <a:alphaOff val="0"/>
+        <a:gradFill rotWithShape="1">
+          <a:gsLst>
+            <a:gs pos="0">
+              <a:schemeClr val="accent1">
+                <a:shade val="15000"/>
+                <a:satMod val="180000"/>
+              </a:schemeClr>
+            </a:gs>
+            <a:gs pos="50000">
+              <a:schemeClr val="accent1">
+                <a:shade val="45000"/>
+                <a:satMod val="170000"/>
+              </a:schemeClr>
+            </a:gs>
+            <a:gs pos="70000">
+              <a:schemeClr val="accent1">
+                <a:tint val="99000"/>
+                <a:shade val="65000"/>
+                <a:satMod val="155000"/>
+              </a:schemeClr>
+            </a:gs>
+            <a:gs pos="100000">
+              <a:schemeClr val="accent1">
+                <a:tint val="100000"/>
+                <a:shade val="100000"/>
+                <a:satMod val="155000"/>
+              </a:schemeClr>
+            </a:gs>
+          </a:gsLst>
+          <a:lin ang="16200000" scaled="0"/>
+        </a:gradFill>
+        <a:ln>
+          <a:noFill/>
+        </a:ln>
+        <a:effectLst>
+          <a:outerShdw blurRad="38100" dist="25400" dir="2700000" algn="br" rotWithShape="0">
+            <a:srgbClr val="000000">
+              <a:alpha val="60000"/>
+            </a:srgbClr>
+          </a:outerShdw>
+        </a:effectLst>
+        <a:scene3d>
+          <a:camera prst="orthographicFront">
+            <a:rot lat="0" lon="0" rev="0"/>
+          </a:camera>
+          <a:lightRig rig="balanced" dir="t">
+            <a:rot lat="0" lon="0" rev="5100000"/>
+          </a:lightRig>
+        </a:scene3d>
+        <a:sp3d contourW="6350">
+          <a:bevelT w="29210" h="12700"/>
+          <a:contourClr>
+            <a:schemeClr val="accent1">
+              <a:satMod val="300000"/>
             </a:schemeClr>
-          </a:solidFill>
-          <a:miter lim="800000"/>
-        </a:ln>
-        <a:effectLst/>
+          </a:contourClr>
+        </a:sp3d>
       </dsp:spPr>
       <dsp:style>
-        <a:lnRef idx="1">
-          <a:scrgbClr r="0" g="0" b="0"/>
+        <a:lnRef idx="0">
+          <a:schemeClr val="accent1"/>
         </a:lnRef>
-        <a:fillRef idx="1">
-          <a:scrgbClr r="0" g="0" b="0"/>
+        <a:fillRef idx="3">
+          <a:schemeClr val="accent1"/>
         </a:fillRef>
-        <a:effectRef idx="0">
-          <a:scrgbClr r="0" g="0" b="0"/>
+        <a:effectRef idx="3">
+          <a:schemeClr val="accent1"/>
         </a:effectRef>
-        <a:fontRef idx="minor"/>
+        <a:fontRef idx="minor">
+          <a:schemeClr val="lt1"/>
+        </a:fontRef>
       </dsp:style>
       <dsp:txBody>
-        <a:bodyPr spcFirstLastPara="0" vert="horz" wrap="square" lIns="44450" tIns="44450" rIns="44450" bIns="44450" numCol="1" spcCol="1270" anchor="ctr" anchorCtr="0">
+        <a:bodyPr spcFirstLastPara="0" vert="horz" wrap="square" lIns="44450" tIns="44450" rIns="44450" bIns="44450" numCol="1" spcCol="1270" rtlCol="0" anchor="ctr" anchorCtr="0">
           <a:noAutofit/>
         </a:bodyPr>
         <a:lstStyle/>
@@ -1883,42 +1921,77 @@
             <a:gd name="adj2" fmla="val 45000"/>
           </a:avLst>
         </a:prstGeom>
-        <a:solidFill>
-          <a:schemeClr val="dk2">
-            <a:alpha val="90000"/>
-            <a:tint val="40000"/>
-            <a:hueOff val="0"/>
-            <a:satOff val="0"/>
-            <a:lumOff val="0"/>
-            <a:alphaOff val="0"/>
-          </a:schemeClr>
-        </a:solidFill>
-        <a:ln w="9525" cap="flat" cmpd="sng" algn="ctr">
-          <a:solidFill>
-            <a:schemeClr val="dk2">
-              <a:alpha val="90000"/>
-              <a:tint val="40000"/>
-              <a:hueOff val="0"/>
-              <a:satOff val="0"/>
-              <a:lumOff val="0"/>
-              <a:alphaOff val="0"/>
+        <a:gradFill rotWithShape="1">
+          <a:gsLst>
+            <a:gs pos="0">
+              <a:schemeClr val="accent1">
+                <a:shade val="15000"/>
+                <a:satMod val="180000"/>
+              </a:schemeClr>
+            </a:gs>
+            <a:gs pos="50000">
+              <a:schemeClr val="accent1">
+                <a:shade val="45000"/>
+                <a:satMod val="170000"/>
+              </a:schemeClr>
+            </a:gs>
+            <a:gs pos="70000">
+              <a:schemeClr val="accent1">
+                <a:tint val="99000"/>
+                <a:shade val="65000"/>
+                <a:satMod val="155000"/>
+              </a:schemeClr>
+            </a:gs>
+            <a:gs pos="100000">
+              <a:schemeClr val="accent1">
+                <a:tint val="100000"/>
+                <a:shade val="100000"/>
+                <a:satMod val="155000"/>
+              </a:schemeClr>
+            </a:gs>
+          </a:gsLst>
+          <a:lin ang="16200000" scaled="0"/>
+        </a:gradFill>
+        <a:ln>
+          <a:noFill/>
+        </a:ln>
+        <a:effectLst>
+          <a:outerShdw blurRad="38100" dist="25400" dir="2700000" algn="br" rotWithShape="0">
+            <a:srgbClr val="000000">
+              <a:alpha val="60000"/>
+            </a:srgbClr>
+          </a:outerShdw>
+        </a:effectLst>
+        <a:scene3d>
+          <a:camera prst="orthographicFront">
+            <a:rot lat="0" lon="0" rev="0"/>
+          </a:camera>
+          <a:lightRig rig="balanced" dir="t">
+            <a:rot lat="0" lon="0" rev="5100000"/>
+          </a:lightRig>
+        </a:scene3d>
+        <a:sp3d contourW="6350">
+          <a:bevelT w="29210" h="12700"/>
+          <a:contourClr>
+            <a:schemeClr val="accent1">
+              <a:satMod val="300000"/>
             </a:schemeClr>
-          </a:solidFill>
-          <a:miter lim="800000"/>
-        </a:ln>
-        <a:effectLst/>
+          </a:contourClr>
+        </a:sp3d>
       </dsp:spPr>
       <dsp:style>
-        <a:lnRef idx="1">
-          <a:scrgbClr r="0" g="0" b="0"/>
+        <a:lnRef idx="0">
+          <a:schemeClr val="accent1"/>
         </a:lnRef>
-        <a:fillRef idx="1">
-          <a:scrgbClr r="0" g="0" b="0"/>
+        <a:fillRef idx="3">
+          <a:schemeClr val="accent1"/>
         </a:fillRef>
-        <a:effectRef idx="0">
-          <a:scrgbClr r="0" g="0" b="0"/>
+        <a:effectRef idx="3">
+          <a:schemeClr val="accent1"/>
         </a:effectRef>
-        <a:fontRef idx="minor"/>
+        <a:fontRef idx="minor">
+          <a:schemeClr val="lt1"/>
+        </a:fontRef>
       </dsp:style>
       <dsp:txBody>
         <a:bodyPr spcFirstLastPara="0" vert="horz" wrap="square" lIns="44450" tIns="44450" rIns="44450" bIns="44450" numCol="1" spcCol="1270" rtlCol="0" anchor="ctr" anchorCtr="0">
@@ -4977,6 +5050,147 @@
                 <a:ea typeface="+mn-ea"/>
                 <a:cs typeface="+mn-cs"/>
               </a:rPr>
+              <a:t>	</a:t>
+            </a:r>
+          </a:p>
+          <a:p>
+            <a:pPr rtl="0" fontAlgn="base"/>
+            <a:r>
+              <a:rPr lang="fr-FR" sz="1600" b="0" i="0" u="none" strike="noStrike" kern="1200" dirty="0">
+                <a:solidFill>
+                  <a:schemeClr val="tx1"/>
+                </a:solidFill>
+                <a:effectLst/>
+                <a:latin typeface="+mn-lt"/>
+                <a:ea typeface="+mn-ea"/>
+                <a:cs typeface="+mn-cs"/>
+              </a:rPr>
+              <a:t>Electron est un </a:t>
+            </a:r>
+            <a:r>
+              <a:rPr lang="fr-FR" sz="1600" b="0" i="0" u="none" strike="noStrike" kern="1200" dirty="0" err="1">
+                <a:solidFill>
+                  <a:schemeClr val="tx1"/>
+                </a:solidFill>
+                <a:effectLst/>
+                <a:latin typeface="+mn-lt"/>
+                <a:ea typeface="+mn-ea"/>
+                <a:cs typeface="+mn-cs"/>
+              </a:rPr>
+              <a:t>framework</a:t>
+            </a:r>
+            <a:r>
+              <a:rPr lang="fr-FR" sz="1600" b="0" i="0" u="none" strike="noStrike" kern="1200" dirty="0">
+                <a:solidFill>
+                  <a:schemeClr val="tx1"/>
+                </a:solidFill>
+                <a:effectLst/>
+                <a:latin typeface="+mn-lt"/>
+                <a:ea typeface="+mn-ea"/>
+                <a:cs typeface="+mn-cs"/>
+              </a:rPr>
+              <a:t> permettant de développer des applications multi-plateformes desktop avec des technologies web. </a:t>
+            </a:r>
+          </a:p>
+          <a:p>
+            <a:pPr rtl="0" fontAlgn="base"/>
+            <a:r>
+              <a:rPr lang="fr-FR" sz="1600" b="0" i="0" u="none" strike="noStrike" kern="1200" dirty="0">
+                <a:solidFill>
+                  <a:schemeClr val="tx1"/>
+                </a:solidFill>
+                <a:effectLst/>
+                <a:latin typeface="+mn-lt"/>
+                <a:ea typeface="+mn-ea"/>
+                <a:cs typeface="+mn-cs"/>
+              </a:rPr>
+              <a:t>L'infrastructure est codée en node.js, et l'interface est bâtie sur la base des outils </a:t>
+            </a:r>
+            <a:r>
+              <a:rPr lang="fr-FR" sz="1600" b="0" i="0" u="none" strike="noStrike" kern="1200" dirty="0" err="1">
+                <a:solidFill>
+                  <a:schemeClr val="tx1"/>
+                </a:solidFill>
+                <a:effectLst/>
+                <a:latin typeface="+mn-lt"/>
+                <a:ea typeface="+mn-ea"/>
+                <a:cs typeface="+mn-cs"/>
+              </a:rPr>
+              <a:t>Chromium</a:t>
+            </a:r>
+            <a:r>
+              <a:rPr lang="fr-FR" sz="1600" b="0" i="0" u="none" strike="noStrike" kern="1200" dirty="0">
+                <a:solidFill>
+                  <a:schemeClr val="tx1"/>
+                </a:solidFill>
+                <a:effectLst/>
+                <a:latin typeface="+mn-lt"/>
+                <a:ea typeface="+mn-ea"/>
+                <a:cs typeface="+mn-cs"/>
+              </a:rPr>
+              <a:t> (la partie open source de Google Chrome)</a:t>
+            </a:r>
+          </a:p>
+          <a:p>
+            <a:pPr rtl="0" fontAlgn="base"/>
+            <a:r>
+              <a:rPr lang="fr-FR" sz="1600" b="0" i="0" u="none" strike="noStrike" kern="1200" dirty="0">
+                <a:solidFill>
+                  <a:schemeClr val="tx1"/>
+                </a:solidFill>
+                <a:effectLst/>
+                <a:latin typeface="+mn-lt"/>
+                <a:ea typeface="+mn-ea"/>
+                <a:cs typeface="+mn-cs"/>
+              </a:rPr>
+              <a:t>Offre la possibilité de recherche et installation de mise à jour automatique via l’outil </a:t>
+            </a:r>
+            <a:r>
+              <a:rPr lang="fr-FR" sz="1600" b="0" i="0" u="none" strike="noStrike" kern="1200" dirty="0" err="1">
+                <a:solidFill>
+                  <a:schemeClr val="tx1"/>
+                </a:solidFill>
+                <a:effectLst/>
+                <a:latin typeface="+mn-lt"/>
+                <a:ea typeface="+mn-ea"/>
+                <a:cs typeface="+mn-cs"/>
+              </a:rPr>
+              <a:t>Squirrel</a:t>
+            </a:r>
+            <a:endParaRPr lang="fr-FR" sz="1600" b="0" i="0" u="none" strike="noStrike" kern="1200" dirty="0">
+              <a:solidFill>
+                <a:schemeClr val="tx1"/>
+              </a:solidFill>
+              <a:effectLst/>
+              <a:latin typeface="+mn-lt"/>
+              <a:ea typeface="+mn-ea"/>
+              <a:cs typeface="+mn-cs"/>
+            </a:endParaRPr>
+          </a:p>
+          <a:p>
+            <a:pPr rtl="0" fontAlgn="base"/>
+            <a:endParaRPr lang="fr-FR" sz="1600" b="0" i="0" u="none" strike="noStrike" kern="1200" dirty="0">
+              <a:solidFill>
+                <a:schemeClr val="tx1"/>
+              </a:solidFill>
+              <a:effectLst/>
+              <a:latin typeface="+mn-lt"/>
+              <a:ea typeface="+mn-ea"/>
+              <a:cs typeface="+mn-cs"/>
+            </a:endParaRPr>
+          </a:p>
+          <a:p>
+            <a:pPr rtl="0" fontAlgn="base"/>
+            <a:r>
+              <a:rPr lang="fr-FR" sz="1600" b="0" i="0" u="none" strike="noStrike" kern="1200" dirty="0">
+                <a:solidFill>
+                  <a:schemeClr val="tx1"/>
+                </a:solidFill>
+                <a:effectLst/>
+                <a:latin typeface="+mn-lt"/>
+                <a:ea typeface="+mn-ea"/>
+                <a:cs typeface="+mn-cs"/>
+              </a:rPr>
               <a:t>2, Pourquoi avec </a:t>
             </a:r>
             <a:r>
@@ -5006,6 +5220,69 @@
           </a:p>
           <a:p>
             <a:pPr rtl="0" fontAlgn="base"/>
+            <a:endParaRPr lang="fr-FR" sz="1600" b="0" i="0" u="none" strike="noStrike" kern="1200" dirty="0">
+              <a:solidFill>
+                <a:schemeClr val="tx1"/>
+              </a:solidFill>
+              <a:effectLst/>
+              <a:latin typeface="+mn-lt"/>
+              <a:ea typeface="+mn-ea"/>
+              <a:cs typeface="+mn-cs"/>
+            </a:endParaRPr>
+          </a:p>
+          <a:p>
+            <a:pPr rtl="0" fontAlgn="base"/>
+            <a:r>
+              <a:rPr lang="fr-FR" sz="1600" b="0" i="0" u="none" strike="noStrike" kern="1200" dirty="0">
+                <a:solidFill>
+                  <a:schemeClr val="tx1"/>
+                </a:solidFill>
+                <a:effectLst/>
+                <a:latin typeface="+mn-lt"/>
+                <a:ea typeface="+mn-ea"/>
+                <a:cs typeface="+mn-cs"/>
+              </a:rPr>
+              <a:t>Pourquoi </a:t>
+            </a:r>
+            <a:r>
+              <a:rPr lang="fr-FR" sz="1600" b="0" i="0" u="none" strike="noStrike" kern="1200" dirty="0" err="1">
+                <a:solidFill>
+                  <a:schemeClr val="tx1"/>
+                </a:solidFill>
+                <a:effectLst/>
+                <a:latin typeface="+mn-lt"/>
+                <a:ea typeface="+mn-ea"/>
+                <a:cs typeface="+mn-cs"/>
+              </a:rPr>
+              <a:t>react</a:t>
+            </a:r>
+            <a:r>
+              <a:rPr lang="fr-FR" sz="1600" b="0" i="0" u="none" strike="noStrike" kern="1200" dirty="0">
+                <a:solidFill>
+                  <a:schemeClr val="tx1"/>
+                </a:solidFill>
+                <a:effectLst/>
+                <a:latin typeface="+mn-lt"/>
+                <a:ea typeface="+mn-ea"/>
+                <a:cs typeface="+mn-cs"/>
+              </a:rPr>
+              <a:t> tout simplement ?</a:t>
+            </a:r>
+          </a:p>
+          <a:p>
+            <a:pPr rtl="0" fontAlgn="base"/>
+            <a:endParaRPr lang="fr-FR" sz="1600" b="0" i="0" u="none" strike="noStrike" kern="1200" dirty="0">
+              <a:solidFill>
+                <a:schemeClr val="tx1"/>
+              </a:solidFill>
+              <a:effectLst/>
+              <a:latin typeface="+mn-lt"/>
+              <a:ea typeface="+mn-ea"/>
+              <a:cs typeface="+mn-cs"/>
+            </a:endParaRPr>
+          </a:p>
+          <a:p>
+            <a:pPr rtl="0" fontAlgn="base"/>
             <a:r>
               <a:rPr lang="fr-FR" sz="1600" b="0" i="0" u="none" strike="noStrike" kern="1200" dirty="0">
                 <a:solidFill>
@@ -5021,6 +5298,21 @@
           </a:p>
           <a:p>
             <a:endParaRPr lang="fr-FR" dirty="0"/>
+          </a:p>
+          <a:p>
+            <a:r>
+              <a:rPr lang="fr-FR" dirty="0"/>
+              <a:t>Beaucoup de dépendance à installer, beaucoup de bug, beaucoup de plantage</a:t>
+            </a:r>
+          </a:p>
+          <a:p>
+            <a:endParaRPr lang="fr-FR" dirty="0"/>
+          </a:p>
+          <a:p>
+            <a:r>
+              <a:rPr lang="fr-FR" dirty="0"/>
+              <a:t>Avantage ? REACT en app desktop ! (pas satisfait ?)</a:t>
+            </a:r>
           </a:p>
         </p:txBody>
       </p:sp>
@@ -10149,54 +10441,128 @@
       </p:sp>
       <p:pic>
         <p:nvPicPr>
-          <p:cNvPr id="1026" name="Picture 2" descr="https://lh5.googleusercontent.com/e1PahfGNbjO80tle8dzaT8KHhyOnFOVob6Yc_j4AKvtBSGfyQiOQvqs295ge0JQii1wslPCV3rzoUuM7w7TnVwqWWsFs3BmzOQPpFlKjhA1p5tAQ9zc6PIKhiCQXQ-2LqpciqYVHs5u5c2i0Tw">
+          <p:cNvPr id="10" name="Image 9">
             <a:extLst>
               <a:ext uri="{FF2B5EF4-FFF2-40B4-BE49-F238E27FC236}">
-                <a16:creationId xmlns:a16="http://schemas.microsoft.com/office/drawing/2014/main" id="{540AAC77-9E08-4264-A5F1-E386433472AB}"/>
+                <a16:creationId xmlns:a16="http://schemas.microsoft.com/office/drawing/2014/main" id="{0B626296-18F9-4259-AEC0-E87C62825A87}"/>
               </a:ext>
             </a:extLst>
           </p:cNvPr>
           <p:cNvPicPr>
-            <a:picLocks noChangeAspect="1" noChangeArrowheads="1"/>
+            <a:picLocks noChangeAspect="1"/>
           </p:cNvPicPr>
           <p:nvPr/>
         </p:nvPicPr>
         <p:blipFill>
           <a:blip r:embed="rId3">
             <a:extLst>
+              <a:ext uri="{BEBA8EAE-BF5A-486C-A8C5-ECC9F3942E4B}">
+                <a14:imgProps xmlns:a14="http://schemas.microsoft.com/office/drawing/2010/main">
+                  <a14:imgLayer r:embed="rId4">
+                    <a14:imgEffect>
+                      <a14:backgroundRemoval t="5200" b="95200" l="10000" r="90000">
+                        <a14:foregroundMark x1="41429" y1="55600" x2="41429" y2="55600"/>
+                        <a14:foregroundMark x1="21286" y1="25600" x2="21286" y2="25600"/>
+                        <a14:foregroundMark x1="24000" y1="24600" x2="24000" y2="24600"/>
+                        <a14:foregroundMark x1="26000" y1="23200" x2="26000" y2="23200"/>
+                        <a14:foregroundMark x1="27286" y1="23200" x2="27286" y2="23200"/>
+                        <a14:foregroundMark x1="30429" y1="23200" x2="30429" y2="23200"/>
+                        <a14:foregroundMark x1="31429" y1="22400" x2="31429" y2="22400"/>
+                        <a14:foregroundMark x1="33286" y1="21800" x2="33286" y2="21800"/>
+                        <a14:foregroundMark x1="13000" y1="29000" x2="13000" y2="29000"/>
+                        <a14:foregroundMark x1="16571" y1="26800" x2="16571" y2="26800"/>
+                        <a14:foregroundMark x1="15714" y1="35400" x2="15714" y2="35400"/>
+                        <a14:foregroundMark x1="30429" y1="7800" x2="30429" y2="7800"/>
+                        <a14:foregroundMark x1="29000" y1="8800" x2="29000" y2="8800"/>
+                        <a14:foregroundMark x1="31429" y1="18000" x2="31429" y2="18000"/>
+                        <a14:foregroundMark x1="28714" y1="10800" x2="28714" y2="10800"/>
+                        <a14:foregroundMark x1="29714" y1="14400" x2="29714" y2="14400"/>
+                        <a14:foregroundMark x1="33286" y1="6600" x2="33286" y2="6600"/>
+                        <a14:foregroundMark x1="38857" y1="6600" x2="38857" y2="6600"/>
+                        <a14:foregroundMark x1="37143" y1="6600" x2="37143" y2="6600"/>
+                        <a14:foregroundMark x1="41857" y1="7000" x2="41857" y2="7000"/>
+                        <a14:foregroundMark x1="43714" y1="7000" x2="43714" y2="7000"/>
+                        <a14:foregroundMark x1="46000" y1="8400" x2="46000" y2="8400"/>
+                        <a14:foregroundMark x1="51000" y1="9400" x2="51000" y2="9400"/>
+                        <a14:foregroundMark x1="57571" y1="12000" x2="57571" y2="12000"/>
+                        <a14:foregroundMark x1="59000" y1="13600" x2="59000" y2="13600"/>
+                        <a14:foregroundMark x1="54000" y1="10800" x2="54000" y2="10800"/>
+                        <a14:foregroundMark x1="62714" y1="11600" x2="62714" y2="11600"/>
+                        <a14:foregroundMark x1="65143" y1="10400" x2="65143" y2="10400"/>
+                        <a14:foregroundMark x1="66571" y1="11800" x2="66571" y2="11800"/>
+                        <a14:foregroundMark x1="74714" y1="13200" x2="74714" y2="13200"/>
+                        <a14:foregroundMark x1="72714" y1="12800" x2="72714" y2="12800"/>
+                        <a14:foregroundMark x1="76286" y1="14000" x2="76286" y2="14200"/>
+                        <a14:foregroundMark x1="72714" y1="20000" x2="72714" y2="20000"/>
+                        <a14:foregroundMark x1="74714" y1="18000" x2="74714" y2="18000"/>
+                        <a14:foregroundMark x1="76286" y1="25600" x2="76286" y2="25600"/>
+                        <a14:foregroundMark x1="78429" y1="30400" x2="78429" y2="30400"/>
+                        <a14:foregroundMark x1="79286" y1="37200" x2="79286" y2="37200"/>
+                        <a14:foregroundMark x1="80000" y1="45000" x2="80000" y2="45000"/>
+                        <a14:foregroundMark x1="78714" y1="53200" x2="78714" y2="53200"/>
+                        <a14:foregroundMark x1="79143" y1="60400" x2="79143" y2="60400"/>
+                        <a14:foregroundMark x1="72143" y1="64600" x2="72143" y2="64600"/>
+                        <a14:foregroundMark x1="69857" y1="69600" x2="69857" y2="69600"/>
+                        <a14:foregroundMark x1="67857" y1="58600" x2="67857" y2="58600"/>
+                        <a14:foregroundMark x1="64571" y1="45600" x2="64571" y2="45600"/>
+                        <a14:foregroundMark x1="55857" y1="45200" x2="55857" y2="45200"/>
+                        <a14:foregroundMark x1="63571" y1="66800" x2="63571" y2="66800"/>
+                        <a14:foregroundMark x1="54714" y1="64400" x2="54714" y2="64400"/>
+                        <a14:foregroundMark x1="43143" y1="73800" x2="43143" y2="73800"/>
+                        <a14:foregroundMark x1="47857" y1="68600" x2="47857" y2="68600"/>
+                        <a14:foregroundMark x1="47000" y1="67000" x2="47000" y2="67000"/>
+                        <a14:foregroundMark x1="44143" y1="50000" x2="44143" y2="50000"/>
+                        <a14:foregroundMark x1="35714" y1="53400" x2="35714" y2="53400"/>
+                        <a14:foregroundMark x1="26571" y1="48600" x2="26571" y2="48600"/>
+                        <a14:foregroundMark x1="52000" y1="27600" x2="52000" y2="27600"/>
+                        <a14:foregroundMark x1="53143" y1="27400" x2="53143" y2="27400"/>
+                        <a14:foregroundMark x1="51857" y1="23800" x2="51857" y2="23800"/>
+                        <a14:foregroundMark x1="49571" y1="23600" x2="49571" y2="23600"/>
+                        <a14:foregroundMark x1="48143" y1="27600" x2="48143" y2="27600"/>
+                        <a14:foregroundMark x1="40571" y1="48000" x2="40571" y2="48000"/>
+                        <a14:foregroundMark x1="40571" y1="48000" x2="40571" y2="48000"/>
+                        <a14:foregroundMark x1="40571" y1="48000" x2="40571" y2="48000"/>
+                        <a14:backgroundMark x1="41286" y1="51000" x2="41286" y2="51000"/>
+                        <a14:backgroundMark x1="41286" y1="51000" x2="41286" y2="51000"/>
+                        <a14:backgroundMark x1="41286" y1="51000" x2="41286" y2="51000"/>
+                        <a14:backgroundMark x1="41286" y1="51000" x2="41286" y2="51000"/>
+                        <a14:backgroundMark x1="51286" y1="42800" x2="51286" y2="42800"/>
+                        <a14:backgroundMark x1="51857" y1="43600" x2="51857" y2="43600"/>
+                        <a14:backgroundMark x1="51857" y1="44400" x2="51857" y2="44400"/>
+                        <a14:backgroundMark x1="51857" y1="44400" x2="51857" y2="44400"/>
+                        <a14:backgroundMark x1="49429" y1="45600" x2="49429" y2="45600"/>
+                        <a14:backgroundMark x1="55714" y1="46400" x2="55714" y2="46400"/>
+                        <a14:backgroundMark x1="55714" y1="46400" x2="55714" y2="46400"/>
+                        <a14:backgroundMark x1="47286" y1="49800" x2="47286" y2="49800"/>
+                        <a14:backgroundMark x1="47286" y1="49800" x2="47286" y2="49800"/>
+                        <a14:backgroundMark x1="48429" y1="52200" x2="48429" y2="52200"/>
+                        <a14:backgroundMark x1="51571" y1="49200" x2="51571" y2="49200"/>
+                        <a14:backgroundMark x1="51571" y1="49000" x2="51571" y2="49000"/>
+                        <a14:backgroundMark x1="51571" y1="49000" x2="51571" y2="49000"/>
+                        <a14:backgroundMark x1="35857" y1="58800" x2="35857" y2="58800"/>
+                        <a14:backgroundMark x1="35857" y1="62200" x2="35857" y2="62200"/>
+                      </a14:backgroundRemoval>
+                    </a14:imgEffect>
+                  </a14:imgLayer>
+                </a14:imgProps>
+              </a:ext>
               <a:ext uri="{28A0092B-C50C-407E-A947-70E740481C1C}">
                 <a14:useLocalDpi xmlns:a14="http://schemas.microsoft.com/office/drawing/2010/main" val="0"/>
               </a:ext>
             </a:extLst>
           </a:blip>
-          <a:srcRect/>
           <a:stretch>
             <a:fillRect/>
           </a:stretch>
         </p:blipFill>
-        <p:spPr bwMode="auto">
+        <p:spPr>
           <a:xfrm>
-            <a:off x="2494012" y="2363515"/>
-            <a:ext cx="7357624" cy="3855678"/>
+            <a:off x="3419425" y="2780928"/>
+            <a:ext cx="5627315" cy="4019511"/>
           </a:xfrm>
           <a:prstGeom prst="rect">
             <a:avLst/>
           </a:prstGeom>
-          <a:ln>
-            <a:noFill/>
-          </a:ln>
-          <a:effectLst>
-            <a:softEdge rad="635000"/>
-          </a:effectLst>
-          <a:extLst>
-            <a:ext uri="{909E8E84-426E-40DD-AFC4-6F175D3DCCD1}">
-              <a14:hiddenFill xmlns:a14="http://schemas.microsoft.com/office/drawing/2010/main">
-                <a:solidFill>
-                  <a:srgbClr val="FFFFFF"/>
-                </a:solidFill>
-              </a14:hiddenFill>
-            </a:ext>
-          </a:extLst>
         </p:spPr>
       </p:pic>
     </p:spTree>
@@ -10401,10 +10767,10 @@
       </p:sp>
       <p:pic>
         <p:nvPicPr>
-          <p:cNvPr id="5" name="Image 4">
+          <p:cNvPr id="12" name="Image 11">
             <a:extLst>
               <a:ext uri="{FF2B5EF4-FFF2-40B4-BE49-F238E27FC236}">
-                <a16:creationId xmlns:a16="http://schemas.microsoft.com/office/drawing/2014/main" id="{0D613062-8225-42EA-9A5E-D2D76C4DC814}"/>
+                <a16:creationId xmlns:a16="http://schemas.microsoft.com/office/drawing/2014/main" id="{CFAB4D4E-144F-4137-A4DA-8B2BD7D4AF66}"/>
               </a:ext>
             </a:extLst>
           </p:cNvPr>
@@ -10427,25 +10793,282 @@
         </p:blipFill>
         <p:spPr>
           <a:xfrm>
-            <a:off x="2361705" y="1628800"/>
-            <a:ext cx="8074852" cy="4459614"/>
+            <a:off x="2130594" y="2163556"/>
+            <a:ext cx="2438198" cy="2031831"/>
           </a:xfrm>
           <a:prstGeom prst="rect">
             <a:avLst/>
           </a:prstGeom>
-          <a:ln w="88900" cap="sq" cmpd="thickThin">
-            <a:noFill/>
-            <a:prstDash val="solid"/>
-            <a:miter lim="800000"/>
-          </a:ln>
-          <a:effectLst>
-            <a:innerShdw blurRad="76200">
-              <a:srgbClr val="000000"/>
-            </a:innerShdw>
-            <a:softEdge rad="635000"/>
-          </a:effectLst>
         </p:spPr>
       </p:pic>
+      <p:pic>
+        <p:nvPicPr>
+          <p:cNvPr id="14" name="Image 13">
+            <a:extLst>
+              <a:ext uri="{FF2B5EF4-FFF2-40B4-BE49-F238E27FC236}">
+                <a16:creationId xmlns:a16="http://schemas.microsoft.com/office/drawing/2014/main" id="{F215E64B-B799-44B7-B6AA-DBA9F363DD14}"/>
+              </a:ext>
+            </a:extLst>
+          </p:cNvPr>
+          <p:cNvPicPr>
+            <a:picLocks noChangeAspect="1"/>
+          </p:cNvPicPr>
+          <p:nvPr/>
+        </p:nvPicPr>
+        <p:blipFill>
+          <a:blip r:embed="rId4">
+            <a:extLst>
+              <a:ext uri="{BEBA8EAE-BF5A-486C-A8C5-ECC9F3942E4B}">
+                <a14:imgProps xmlns:a14="http://schemas.microsoft.com/office/drawing/2010/main">
+                  <a14:imgLayer r:embed="rId5">
+                    <a14:imgEffect>
+                      <a14:backgroundRemoval t="10000" b="90000" l="10000" r="90000">
+                        <a14:foregroundMark x1="50000" y1="46154" x2="49231" y2="45000"/>
+                      </a14:backgroundRemoval>
+                    </a14:imgEffect>
+                    <a14:imgEffect>
+                      <a14:brightnessContrast contrast="40000"/>
+                    </a14:imgEffect>
+                  </a14:imgLayer>
+                </a14:imgProps>
+              </a:ext>
+              <a:ext uri="{28A0092B-C50C-407E-A947-70E740481C1C}">
+                <a14:useLocalDpi xmlns:a14="http://schemas.microsoft.com/office/drawing/2010/main" val="0"/>
+              </a:ext>
+            </a:extLst>
+          </a:blip>
+          <a:stretch>
+            <a:fillRect/>
+          </a:stretch>
+        </p:blipFill>
+        <p:spPr>
+          <a:xfrm>
+            <a:off x="4378023" y="1703306"/>
+            <a:ext cx="2952329" cy="2952329"/>
+          </a:xfrm>
+          <a:prstGeom prst="rect">
+            <a:avLst/>
+          </a:prstGeom>
+          <a:ln>
+            <a:noFill/>
+          </a:ln>
+        </p:spPr>
+      </p:pic>
+      <p:sp>
+        <p:nvSpPr>
+          <p:cNvPr id="15" name="Est égal à 14">
+            <a:extLst>
+              <a:ext uri="{FF2B5EF4-FFF2-40B4-BE49-F238E27FC236}">
+                <a16:creationId xmlns:a16="http://schemas.microsoft.com/office/drawing/2014/main" id="{46DDF60D-43D8-4E38-AFDB-2EF1876061FB}"/>
+              </a:ext>
+            </a:extLst>
+          </p:cNvPr>
+          <p:cNvSpPr/>
+          <p:nvPr/>
+        </p:nvSpPr>
+        <p:spPr>
+          <a:xfrm>
+            <a:off x="6944575" y="2925012"/>
+            <a:ext cx="915425" cy="893211"/>
+          </a:xfrm>
+          <a:prstGeom prst="mathEqual">
+            <a:avLst/>
+          </a:prstGeom>
+        </p:spPr>
+        <p:style>
+          <a:lnRef idx="2">
+            <a:schemeClr val="accent1">
+              <a:shade val="50000"/>
+            </a:schemeClr>
+          </a:lnRef>
+          <a:fillRef idx="1">
+            <a:schemeClr val="accent1"/>
+          </a:fillRef>
+          <a:effectRef idx="0">
+            <a:schemeClr val="accent1"/>
+          </a:effectRef>
+          <a:fontRef idx="minor">
+            <a:schemeClr val="lt1"/>
+          </a:fontRef>
+        </p:style>
+        <p:txBody>
+          <a:bodyPr rtlCol="0" anchor="ctr"/>
+          <a:lstStyle/>
+          <a:p>
+            <a:pPr algn="ctr"/>
+            <a:endParaRPr lang="fr-FR" sz="2800" dirty="0">
+              <a:solidFill>
+                <a:srgbClr val="4C8B97"/>
+              </a:solidFill>
+            </a:endParaRPr>
+          </a:p>
+        </p:txBody>
+      </p:sp>
+      <p:pic>
+        <p:nvPicPr>
+          <p:cNvPr id="17" name="Image 16">
+            <a:extLst>
+              <a:ext uri="{FF2B5EF4-FFF2-40B4-BE49-F238E27FC236}">
+                <a16:creationId xmlns:a16="http://schemas.microsoft.com/office/drawing/2014/main" id="{96D8E1FE-3C51-416B-8414-E50BA6EC5484}"/>
+              </a:ext>
+            </a:extLst>
+          </p:cNvPr>
+          <p:cNvPicPr>
+            <a:picLocks noChangeAspect="1"/>
+          </p:cNvPicPr>
+          <p:nvPr/>
+        </p:nvPicPr>
+        <p:blipFill>
+          <a:blip r:embed="rId6">
+            <a:duotone>
+              <a:prstClr val="black"/>
+              <a:schemeClr val="accent1">
+                <a:lumMod val="60000"/>
+                <a:lumOff val="40000"/>
+                <a:tint val="45000"/>
+                <a:satMod val="400000"/>
+              </a:schemeClr>
+            </a:duotone>
+            <a:extLst>
+              <a:ext uri="{28A0092B-C50C-407E-A947-70E740481C1C}">
+                <a14:useLocalDpi xmlns:a14="http://schemas.microsoft.com/office/drawing/2010/main" val="0"/>
+              </a:ext>
+            </a:extLst>
+          </a:blip>
+          <a:stretch>
+            <a:fillRect/>
+          </a:stretch>
+        </p:blipFill>
+        <p:spPr>
+          <a:xfrm>
+            <a:off x="8115674" y="2275691"/>
+            <a:ext cx="2515241" cy="2255333"/>
+          </a:xfrm>
+          <a:prstGeom prst="rect">
+            <a:avLst/>
+          </a:prstGeom>
+        </p:spPr>
+      </p:pic>
+      <p:sp>
+        <p:nvSpPr>
+          <p:cNvPr id="18" name="ZoneTexte 17">
+            <a:extLst>
+              <a:ext uri="{FF2B5EF4-FFF2-40B4-BE49-F238E27FC236}">
+                <a16:creationId xmlns:a16="http://schemas.microsoft.com/office/drawing/2014/main" id="{ED761C62-AE4C-4C02-A678-062F9E5815C2}"/>
+              </a:ext>
+            </a:extLst>
+          </p:cNvPr>
+          <p:cNvSpPr txBox="1"/>
+          <p:nvPr/>
+        </p:nvSpPr>
+        <p:spPr>
+          <a:xfrm>
+            <a:off x="8115675" y="4953362"/>
+            <a:ext cx="2633329" cy="707886"/>
+          </a:xfrm>
+          <a:prstGeom prst="rect">
+            <a:avLst/>
+          </a:prstGeom>
+          <a:noFill/>
+        </p:spPr>
+        <p:txBody>
+          <a:bodyPr wrap="square" rtlCol="0">
+            <a:spAutoFit/>
+          </a:bodyPr>
+          <a:lstStyle/>
+          <a:p>
+            <a:r>
+              <a:rPr lang="fr-FR" sz="4000" dirty="0">
+                <a:solidFill>
+                  <a:srgbClr val="4C8B97"/>
+                </a:solidFill>
+              </a:rPr>
+              <a:t>REACTRON</a:t>
+            </a:r>
+          </a:p>
+        </p:txBody>
+      </p:sp>
+      <p:sp>
+        <p:nvSpPr>
+          <p:cNvPr id="19" name="ZoneTexte 18">
+            <a:extLst>
+              <a:ext uri="{FF2B5EF4-FFF2-40B4-BE49-F238E27FC236}">
+                <a16:creationId xmlns:a16="http://schemas.microsoft.com/office/drawing/2014/main" id="{C96F6D24-953B-4DD6-A8C0-2E1FC9ED11B6}"/>
+              </a:ext>
+            </a:extLst>
+          </p:cNvPr>
+          <p:cNvSpPr txBox="1"/>
+          <p:nvPr/>
+        </p:nvSpPr>
+        <p:spPr>
+          <a:xfrm>
+            <a:off x="5189607" y="4219613"/>
+            <a:ext cx="1714740" cy="553998"/>
+          </a:xfrm>
+          <a:prstGeom prst="rect">
+            <a:avLst/>
+          </a:prstGeom>
+          <a:noFill/>
+        </p:spPr>
+        <p:txBody>
+          <a:bodyPr wrap="square" rtlCol="0">
+            <a:spAutoFit/>
+          </a:bodyPr>
+          <a:lstStyle/>
+          <a:p>
+            <a:r>
+              <a:rPr lang="fr-FR" sz="3000" dirty="0">
+                <a:solidFill>
+                  <a:schemeClr val="accent1">
+                    <a:lumMod val="60000"/>
+                    <a:lumOff val="40000"/>
+                  </a:schemeClr>
+                </a:solidFill>
+              </a:rPr>
+              <a:t>REACT</a:t>
+            </a:r>
+          </a:p>
+        </p:txBody>
+      </p:sp>
+      <p:sp>
+        <p:nvSpPr>
+          <p:cNvPr id="20" name="ZoneTexte 19">
+            <a:extLst>
+              <a:ext uri="{FF2B5EF4-FFF2-40B4-BE49-F238E27FC236}">
+                <a16:creationId xmlns:a16="http://schemas.microsoft.com/office/drawing/2014/main" id="{7154CB2B-DFD9-45F2-B080-F2B3562A8D9E}"/>
+              </a:ext>
+            </a:extLst>
+          </p:cNvPr>
+          <p:cNvSpPr txBox="1"/>
+          <p:nvPr/>
+        </p:nvSpPr>
+        <p:spPr>
+          <a:xfrm>
+            <a:off x="2391037" y="4219613"/>
+            <a:ext cx="1714740" cy="553998"/>
+          </a:xfrm>
+          <a:prstGeom prst="rect">
+            <a:avLst/>
+          </a:prstGeom>
+          <a:noFill/>
+        </p:spPr>
+        <p:txBody>
+          <a:bodyPr wrap="square" rtlCol="0">
+            <a:spAutoFit/>
+          </a:bodyPr>
+          <a:lstStyle/>
+          <a:p>
+            <a:r>
+              <a:rPr lang="fr-FR" sz="3000" dirty="0">
+                <a:solidFill>
+                  <a:srgbClr val="4C8B97"/>
+                </a:solidFill>
+              </a:rPr>
+              <a:t>Electron</a:t>
+            </a:r>
+          </a:p>
+        </p:txBody>
+      </p:sp>
     </p:spTree>
     <p:extLst>
       <p:ext uri="{BB962C8B-B14F-4D97-AF65-F5344CB8AC3E}">
@@ -10781,7 +11404,7 @@
           <p:nvPr>
             <p:extLst>
               <p:ext uri="{D42A27DB-BD31-4B8C-83A1-F6EECF244321}">
-                <p14:modId xmlns:p14="http://schemas.microsoft.com/office/powerpoint/2010/main" val="2206600741"/>
+                <p14:modId xmlns:p14="http://schemas.microsoft.com/office/powerpoint/2010/main" val="2965390539"/>
               </p:ext>
             </p:extLst>
           </p:nvPr>
@@ -10880,8 +11503,8 @@
         </p:nvSpPr>
         <p:spPr>
           <a:xfrm>
-            <a:off x="1197869" y="2229805"/>
-            <a:ext cx="10225136" cy="695139"/>
+            <a:off x="981844" y="2229805"/>
+            <a:ext cx="11017224" cy="897064"/>
           </a:xfrm>
         </p:spPr>
         <p:txBody>
@@ -10892,16 +11515,16 @@
           <a:p>
             <a:pPr rtl="0"/>
             <a:r>
-              <a:rPr lang="fr-FR" sz="3000" dirty="0"/>
-              <a:t>Section </a:t>
+              <a:rPr lang="fr-FR" dirty="0"/>
+              <a:t>Section ‘</a:t>
             </a:r>
             <a:r>
-              <a:rPr lang="fr-FR" sz="3000" dirty="0" err="1"/>
+              <a:rPr lang="fr-FR" dirty="0" err="1"/>
               <a:t>Boilerplates</a:t>
             </a:r>
             <a:r>
-              <a:rPr lang="fr-FR" sz="3000" dirty="0"/>
-              <a:t> et components sur le Repo !</a:t>
+              <a:rPr lang="fr-FR" dirty="0"/>
+              <a:t>’ et ‘components’ sur le Repo !</a:t>
             </a:r>
           </a:p>
         </p:txBody>
